--- a/hphk_1일차_개발환경셋팅.pptx
+++ b/hphk_1일차_개발환경셋팅.pptx
@@ -288,7 +288,7 @@
           <a:p>
             <a:fld id="{1829D3E9-CF3B-46DC-9F20-256B915ACFE8}" type="datetimeFigureOut">
               <a:rPr lang="ko-KR" altLang="en-US" smtClean="0"/>
-              <a:t>2019-05-27</a:t>
+              <a:t>2019-05-29</a:t>
             </a:fld>
             <a:endParaRPr lang="ko-KR" altLang="en-US"/>
           </a:p>
@@ -458,7 +458,7 @@
           <a:p>
             <a:fld id="{1829D3E9-CF3B-46DC-9F20-256B915ACFE8}" type="datetimeFigureOut">
               <a:rPr lang="ko-KR" altLang="en-US" smtClean="0"/>
-              <a:t>2019-05-27</a:t>
+              <a:t>2019-05-29</a:t>
             </a:fld>
             <a:endParaRPr lang="ko-KR" altLang="en-US"/>
           </a:p>
@@ -638,7 +638,7 @@
           <a:p>
             <a:fld id="{1829D3E9-CF3B-46DC-9F20-256B915ACFE8}" type="datetimeFigureOut">
               <a:rPr lang="ko-KR" altLang="en-US" smtClean="0"/>
-              <a:t>2019-05-27</a:t>
+              <a:t>2019-05-29</a:t>
             </a:fld>
             <a:endParaRPr lang="ko-KR" altLang="en-US"/>
           </a:p>
@@ -808,7 +808,7 @@
           <a:p>
             <a:fld id="{1829D3E9-CF3B-46DC-9F20-256B915ACFE8}" type="datetimeFigureOut">
               <a:rPr lang="ko-KR" altLang="en-US" smtClean="0"/>
-              <a:t>2019-05-27</a:t>
+              <a:t>2019-05-29</a:t>
             </a:fld>
             <a:endParaRPr lang="ko-KR" altLang="en-US"/>
           </a:p>
@@ -1054,7 +1054,7 @@
           <a:p>
             <a:fld id="{1829D3E9-CF3B-46DC-9F20-256B915ACFE8}" type="datetimeFigureOut">
               <a:rPr lang="ko-KR" altLang="en-US" smtClean="0"/>
-              <a:t>2019-05-27</a:t>
+              <a:t>2019-05-29</a:t>
             </a:fld>
             <a:endParaRPr lang="ko-KR" altLang="en-US"/>
           </a:p>
@@ -1342,7 +1342,7 @@
           <a:p>
             <a:fld id="{1829D3E9-CF3B-46DC-9F20-256B915ACFE8}" type="datetimeFigureOut">
               <a:rPr lang="ko-KR" altLang="en-US" smtClean="0"/>
-              <a:t>2019-05-27</a:t>
+              <a:t>2019-05-29</a:t>
             </a:fld>
             <a:endParaRPr lang="ko-KR" altLang="en-US"/>
           </a:p>
@@ -1764,7 +1764,7 @@
           <a:p>
             <a:fld id="{1829D3E9-CF3B-46DC-9F20-256B915ACFE8}" type="datetimeFigureOut">
               <a:rPr lang="ko-KR" altLang="en-US" smtClean="0"/>
-              <a:t>2019-05-27</a:t>
+              <a:t>2019-05-29</a:t>
             </a:fld>
             <a:endParaRPr lang="ko-KR" altLang="en-US"/>
           </a:p>
@@ -1882,7 +1882,7 @@
           <a:p>
             <a:fld id="{1829D3E9-CF3B-46DC-9F20-256B915ACFE8}" type="datetimeFigureOut">
               <a:rPr lang="ko-KR" altLang="en-US" smtClean="0"/>
-              <a:t>2019-05-27</a:t>
+              <a:t>2019-05-29</a:t>
             </a:fld>
             <a:endParaRPr lang="ko-KR" altLang="en-US"/>
           </a:p>
@@ -1977,7 +1977,7 @@
           <a:p>
             <a:fld id="{1829D3E9-CF3B-46DC-9F20-256B915ACFE8}" type="datetimeFigureOut">
               <a:rPr lang="ko-KR" altLang="en-US" smtClean="0"/>
-              <a:t>2019-05-27</a:t>
+              <a:t>2019-05-29</a:t>
             </a:fld>
             <a:endParaRPr lang="ko-KR" altLang="en-US"/>
           </a:p>
@@ -2254,7 +2254,7 @@
           <a:p>
             <a:fld id="{1829D3E9-CF3B-46DC-9F20-256B915ACFE8}" type="datetimeFigureOut">
               <a:rPr lang="ko-KR" altLang="en-US" smtClean="0"/>
-              <a:t>2019-05-27</a:t>
+              <a:t>2019-05-29</a:t>
             </a:fld>
             <a:endParaRPr lang="ko-KR" altLang="en-US"/>
           </a:p>
@@ -2507,7 +2507,7 @@
           <a:p>
             <a:fld id="{1829D3E9-CF3B-46DC-9F20-256B915ACFE8}" type="datetimeFigureOut">
               <a:rPr lang="ko-KR" altLang="en-US" smtClean="0"/>
-              <a:t>2019-05-27</a:t>
+              <a:t>2019-05-29</a:t>
             </a:fld>
             <a:endParaRPr lang="ko-KR" altLang="en-US"/>
           </a:p>
@@ -2720,7 +2720,7 @@
           <a:p>
             <a:fld id="{1829D3E9-CF3B-46DC-9F20-256B915ACFE8}" type="datetimeFigureOut">
               <a:rPr lang="ko-KR" altLang="en-US" smtClean="0"/>
-              <a:t>2019-05-27</a:t>
+              <a:t>2019-05-29</a:t>
             </a:fld>
             <a:endParaRPr lang="ko-KR" altLang="en-US"/>
           </a:p>
@@ -3898,8 +3898,8 @@
         </p:nvSpPr>
         <p:spPr>
           <a:xfrm>
-            <a:off x="6866820" y="4293096"/>
-            <a:ext cx="1171000" cy="288032"/>
+            <a:off x="6250034" y="4305275"/>
+            <a:ext cx="1809636" cy="288032"/>
           </a:xfrm>
           <a:prstGeom prst="rect">
             <a:avLst/>
@@ -3941,6 +3941,38 @@
                 </a:solidFill>
               </a:rPr>
               <a:t>Pycharm</a:t>
+            </a:r>
+            <a:r>
+              <a:rPr lang="en-US" altLang="ko-KR" sz="1600" dirty="0" smtClean="0">
+                <a:solidFill>
+                  <a:srgbClr val="FF0000"/>
+                </a:solidFill>
+              </a:rPr>
+              <a:t> </a:t>
+            </a:r>
+            <a:r>
+              <a:rPr lang="en-US" altLang="ko-KR" sz="1600" dirty="0" err="1" smtClean="0">
+                <a:solidFill>
+                  <a:srgbClr val="FF0000"/>
+                </a:solidFill>
+              </a:rPr>
+              <a:t>Git</a:t>
+            </a:r>
+            <a:r>
+              <a:rPr lang="en-US" altLang="ko-KR" sz="1600" dirty="0" smtClean="0">
+                <a:solidFill>
+                  <a:srgbClr val="FF0000"/>
+                </a:solidFill>
+              </a:rPr>
+              <a:t> </a:t>
+            </a:r>
+            <a:r>
+              <a:rPr lang="ko-KR" altLang="en-US" sz="1600" dirty="0" smtClean="0">
+                <a:solidFill>
+                  <a:srgbClr val="FF0000"/>
+                </a:solidFill>
+              </a:rPr>
+              <a:t>연결</a:t>
             </a:r>
             <a:endParaRPr lang="ko-KR" altLang="en-US" sz="1600" dirty="0">
               <a:solidFill>
